--- a/Implement resiliency in business logic layers.pptx
+++ b/Implement resiliency in business logic layers.pptx
@@ -520,7 +520,7 @@
           <a:p>
             <a:fld id="{83284890-85D2-4D7B-8EF5-15A9C1DB8F42}" type="datetimeFigureOut">
               <a:rPr lang="en-US" dirty="0"/>
-              <a:t>11/23/2020</a:t>
+              <a:t>11/24/2020</a:t>
             </a:fld>
             <a:endParaRPr lang="en-US" dirty="0"/>
           </a:p>
@@ -695,7 +695,7 @@
           <a:p>
             <a:fld id="{87157CC2-0FC8-4686-B024-99790E0F5162}" type="datetimeFigureOut">
               <a:rPr lang="en-US" dirty="0"/>
-              <a:t>11/23/2020</a:t>
+              <a:t>11/24/2020</a:t>
             </a:fld>
             <a:endParaRPr lang="en-US" dirty="0"/>
           </a:p>
@@ -870,7 +870,7 @@
           <a:p>
             <a:fld id="{F6764DA5-CD3D-4590-A511-FCD3BC7A793E}" type="datetimeFigureOut">
               <a:rPr lang="en-US" dirty="0"/>
-              <a:t>11/23/2020</a:t>
+              <a:t>11/24/2020</a:t>
             </a:fld>
             <a:endParaRPr lang="en-US" dirty="0"/>
           </a:p>
@@ -1035,7 +1035,7 @@
           <a:p>
             <a:fld id="{82F5661D-6934-4B32-B92C-470368BF1EC6}" type="datetimeFigureOut">
               <a:rPr lang="en-US" dirty="0"/>
-              <a:t>11/23/2020</a:t>
+              <a:t>11/24/2020</a:t>
             </a:fld>
             <a:endParaRPr lang="en-US" dirty="0"/>
           </a:p>
@@ -1343,7 +1343,7 @@
           <a:p>
             <a:fld id="{C6F822A4-8DA6-4447-9B1F-C5DB58435268}" type="datetimeFigureOut">
               <a:rPr lang="en-US" dirty="0"/>
-              <a:t>11/23/2020</a:t>
+              <a:t>11/24/2020</a:t>
             </a:fld>
             <a:endParaRPr lang="en-US" dirty="0"/>
           </a:p>
@@ -1725,7 +1725,7 @@
           <a:p>
             <a:fld id="{E548D31E-DCDA-41A7-9C67-C4B11B94D21D}" type="datetimeFigureOut">
               <a:rPr lang="en-US" dirty="0"/>
-              <a:t>11/23/2020</a:t>
+              <a:t>11/24/2020</a:t>
             </a:fld>
             <a:endParaRPr lang="en-US" dirty="0"/>
           </a:p>
@@ -2154,7 +2154,7 @@
           <a:p>
             <a:fld id="{9B3762C0-B258-48F1-ADE6-176B4174CCDD}" type="datetimeFigureOut">
               <a:rPr lang="en-US" dirty="0"/>
-              <a:t>11/23/2020</a:t>
+              <a:t>11/24/2020</a:t>
             </a:fld>
             <a:endParaRPr lang="en-US" dirty="0"/>
           </a:p>
@@ -2267,7 +2267,7 @@
           <a:p>
             <a:fld id="{677919A6-33EB-49BD-A62F-1FA56B9F9712}" type="datetimeFigureOut">
               <a:rPr lang="en-US" dirty="0"/>
-              <a:t>11/23/2020</a:t>
+              <a:t>11/24/2020</a:t>
             </a:fld>
             <a:endParaRPr lang="en-US" dirty="0"/>
           </a:p>
@@ -2357,7 +2357,7 @@
           <a:p>
             <a:fld id="{CA4E7D1B-D673-4CF6-8672-009D42ABD2A0}" type="datetimeFigureOut">
               <a:rPr lang="en-US" dirty="0"/>
-              <a:t>11/23/2020</a:t>
+              <a:t>11/24/2020</a:t>
             </a:fld>
             <a:endParaRPr lang="en-US" dirty="0"/>
           </a:p>
@@ -2702,7 +2702,7 @@
           <a:p>
             <a:fld id="{DA16AA21-1863-4931-97CB-99D0A168701B}" type="datetimeFigureOut">
               <a:rPr lang="en-US" dirty="0"/>
-              <a:t>11/23/2020</a:t>
+              <a:t>11/24/2020</a:t>
             </a:fld>
             <a:endParaRPr lang="en-US" dirty="0"/>
           </a:p>
@@ -3122,7 +3122,7 @@
           <a:p>
             <a:fld id="{3772C379-9A7C-4C87-A116-CBE9F58B04C5}" type="datetimeFigureOut">
               <a:rPr lang="en-US" dirty="0"/>
-              <a:t>11/23/2020</a:t>
+              <a:t>11/24/2020</a:t>
             </a:fld>
             <a:endParaRPr lang="en-US" dirty="0"/>
           </a:p>
@@ -3398,7 +3398,7 @@
           <a:p>
             <a:fld id="{8664C608-40B1-4030-A28D-5B74BC98ADCE}" type="datetimeFigureOut">
               <a:rPr lang="en-US" dirty="0"/>
-              <a:t>11/23/2020</a:t>
+              <a:t>11/24/2020</a:t>
             </a:fld>
             <a:endParaRPr lang="en-US" dirty="0"/>
           </a:p>
@@ -3991,14 +3991,7 @@
                 <a:latin typeface="Calibri" panose="020F0502020204030204" pitchFamily="34" charset="0"/>
                 <a:cs typeface="Calibri" panose="020F0502020204030204" pitchFamily="34" charset="0"/>
               </a:rPr>
-              <a:t>Implement resiliency in business logic </a:t>
-            </a:r>
-            <a:r>
-              <a:rPr lang="en-US" sz="6600" dirty="0" smtClean="0">
-                <a:latin typeface="Calibri" panose="020F0502020204030204" pitchFamily="34" charset="0"/>
-                <a:cs typeface="Calibri" panose="020F0502020204030204" pitchFamily="34" charset="0"/>
-              </a:rPr>
-              <a:t>layers (circuit breaker pattern)</a:t>
+              <a:t>Implement resiliency in business logic layers (circuit breaker pattern)</a:t>
             </a:r>
             <a:endParaRPr lang="en-US" sz="6600" dirty="0">
               <a:latin typeface="Calibri" panose="020F0502020204030204" pitchFamily="34" charset="0"/>
@@ -4300,27 +4293,7 @@
                 <a:latin typeface="Calibri" panose="020F0502020204030204" pitchFamily="34" charset="0"/>
                 <a:cs typeface="Calibri" panose="020F0502020204030204" pitchFamily="34" charset="0"/>
               </a:rPr>
-              <a:t>So how to make a call from a simple </a:t>
-            </a:r>
-            <a:r>
-              <a:rPr lang="en-US" dirty="0" smtClean="0">
-                <a:solidFill>
-                  <a:srgbClr val="FF0000"/>
-                </a:solidFill>
-                <a:latin typeface="Calibri" panose="020F0502020204030204" pitchFamily="34" charset="0"/>
-                <a:cs typeface="Calibri" panose="020F0502020204030204" pitchFamily="34" charset="0"/>
-              </a:rPr>
-              <a:t>ASP.NET(or any client code) </a:t>
-            </a:r>
-            <a:r>
-              <a:rPr lang="en-US" dirty="0" smtClean="0">
-                <a:solidFill>
-                  <a:srgbClr val="FF0000"/>
-                </a:solidFill>
-                <a:latin typeface="Calibri" panose="020F0502020204030204" pitchFamily="34" charset="0"/>
-                <a:cs typeface="Calibri" panose="020F0502020204030204" pitchFamily="34" charset="0"/>
-              </a:rPr>
-              <a:t>method to business layer and fail it after certain time if we do not get response from underlying layers (DAL, API, NETWORKS </a:t>
+              <a:t>So how to make a call from a simple ASP.NET(or any client code) method to business layer and fail it after certain time if we do not get response from underlying layers (DAL, API, NETWORKS </a:t>
             </a:r>
             <a:r>
               <a:rPr lang="en-US" dirty="0" err="1" smtClean="0">
@@ -4835,6 +4808,56 @@
           <a:p>
             <a:pPr algn="ctr"/>
             <a:endParaRPr lang="en-US"/>
+          </a:p>
+        </p:txBody>
+      </p:sp>
+      <p:sp>
+        <p:nvSpPr>
+          <p:cNvPr id="6" name="Rectangle 5"/>
+          <p:cNvSpPr/>
+          <p:nvPr/>
+        </p:nvSpPr>
+        <p:spPr>
+          <a:xfrm>
+            <a:off x="8502994" y="1938049"/>
+            <a:ext cx="3366789" cy="923330"/>
+          </a:xfrm>
+          <a:prstGeom prst="rect">
+            <a:avLst/>
+          </a:prstGeom>
+        </p:spPr>
+        <p:txBody>
+          <a:bodyPr wrap="square">
+            <a:spAutoFit/>
+          </a:bodyPr>
+          <a:lstStyle/>
+          <a:p>
+            <a:r>
+              <a:rPr lang="en-US" dirty="0">
+                <a:latin typeface="Calibri" panose="020F0502020204030204" pitchFamily="34" charset="0"/>
+                <a:cs typeface="Calibri" panose="020F0502020204030204" pitchFamily="34" charset="0"/>
+                <a:hlinkClick r:id="rId3"/>
+              </a:rPr>
+              <a:t>https://</a:t>
+            </a:r>
+            <a:r>
+              <a:rPr lang="en-US" dirty="0" smtClean="0">
+                <a:latin typeface="Calibri" panose="020F0502020204030204" pitchFamily="34" charset="0"/>
+                <a:cs typeface="Calibri" panose="020F0502020204030204" pitchFamily="34" charset="0"/>
+                <a:hlinkClick r:id="rId3"/>
+              </a:rPr>
+              <a:t>github.com/trivedimehulk/circuitbreakerdemo</a:t>
+            </a:r>
+            <a:endParaRPr lang="en-US" dirty="0" smtClean="0">
+              <a:latin typeface="Calibri" panose="020F0502020204030204" pitchFamily="34" charset="0"/>
+              <a:cs typeface="Calibri" panose="020F0502020204030204" pitchFamily="34" charset="0"/>
+            </a:endParaRPr>
+          </a:p>
+          <a:p>
+            <a:endParaRPr lang="en-US" dirty="0">
+              <a:latin typeface="Calibri" panose="020F0502020204030204" pitchFamily="34" charset="0"/>
+              <a:cs typeface="Calibri" panose="020F0502020204030204" pitchFamily="34" charset="0"/>
+            </a:endParaRPr>
           </a:p>
         </p:txBody>
       </p:sp>
